--- a/document/页面设计.pptx
+++ b/document/页面设计.pptx
@@ -297,7 +297,7 @@
           <a:p>
             <a:fld id="{2D8079C0-828A-49B0-A613-D6AE1344956F}" type="datetimeFigureOut">
               <a:rPr lang="zh-CN" altLang="en-US" smtClean="0"/>
-              <a:t>2022/1/10</a:t>
+              <a:t>2022/1/17</a:t>
             </a:fld>
             <a:endParaRPr lang="zh-CN" altLang="en-US"/>
           </a:p>
@@ -495,7 +495,7 @@
           <a:p>
             <a:fld id="{2D8079C0-828A-49B0-A613-D6AE1344956F}" type="datetimeFigureOut">
               <a:rPr lang="zh-CN" altLang="en-US" smtClean="0"/>
-              <a:t>2022/1/10</a:t>
+              <a:t>2022/1/17</a:t>
             </a:fld>
             <a:endParaRPr lang="zh-CN" altLang="en-US"/>
           </a:p>
@@ -703,7 +703,7 @@
           <a:p>
             <a:fld id="{2D8079C0-828A-49B0-A613-D6AE1344956F}" type="datetimeFigureOut">
               <a:rPr lang="zh-CN" altLang="en-US" smtClean="0"/>
-              <a:t>2022/1/10</a:t>
+              <a:t>2022/1/17</a:t>
             </a:fld>
             <a:endParaRPr lang="zh-CN" altLang="en-US"/>
           </a:p>
@@ -901,7 +901,7 @@
           <a:p>
             <a:fld id="{2D8079C0-828A-49B0-A613-D6AE1344956F}" type="datetimeFigureOut">
               <a:rPr lang="zh-CN" altLang="en-US" smtClean="0"/>
-              <a:t>2022/1/10</a:t>
+              <a:t>2022/1/17</a:t>
             </a:fld>
             <a:endParaRPr lang="zh-CN" altLang="en-US"/>
           </a:p>
@@ -1176,7 +1176,7 @@
           <a:p>
             <a:fld id="{2D8079C0-828A-49B0-A613-D6AE1344956F}" type="datetimeFigureOut">
               <a:rPr lang="zh-CN" altLang="en-US" smtClean="0"/>
-              <a:t>2022/1/10</a:t>
+              <a:t>2022/1/17</a:t>
             </a:fld>
             <a:endParaRPr lang="zh-CN" altLang="en-US"/>
           </a:p>
@@ -1441,7 +1441,7 @@
           <a:p>
             <a:fld id="{2D8079C0-828A-49B0-A613-D6AE1344956F}" type="datetimeFigureOut">
               <a:rPr lang="zh-CN" altLang="en-US" smtClean="0"/>
-              <a:t>2022/1/10</a:t>
+              <a:t>2022/1/17</a:t>
             </a:fld>
             <a:endParaRPr lang="zh-CN" altLang="en-US"/>
           </a:p>
@@ -1853,7 +1853,7 @@
           <a:p>
             <a:fld id="{2D8079C0-828A-49B0-A613-D6AE1344956F}" type="datetimeFigureOut">
               <a:rPr lang="zh-CN" altLang="en-US" smtClean="0"/>
-              <a:t>2022/1/10</a:t>
+              <a:t>2022/1/17</a:t>
             </a:fld>
             <a:endParaRPr lang="zh-CN" altLang="en-US"/>
           </a:p>
@@ -1994,7 +1994,7 @@
           <a:p>
             <a:fld id="{2D8079C0-828A-49B0-A613-D6AE1344956F}" type="datetimeFigureOut">
               <a:rPr lang="zh-CN" altLang="en-US" smtClean="0"/>
-              <a:t>2022/1/10</a:t>
+              <a:t>2022/1/17</a:t>
             </a:fld>
             <a:endParaRPr lang="zh-CN" altLang="en-US"/>
           </a:p>
@@ -2107,7 +2107,7 @@
           <a:p>
             <a:fld id="{2D8079C0-828A-49B0-A613-D6AE1344956F}" type="datetimeFigureOut">
               <a:rPr lang="zh-CN" altLang="en-US" smtClean="0"/>
-              <a:t>2022/1/10</a:t>
+              <a:t>2022/1/17</a:t>
             </a:fld>
             <a:endParaRPr lang="zh-CN" altLang="en-US"/>
           </a:p>
@@ -2418,7 +2418,7 @@
           <a:p>
             <a:fld id="{2D8079C0-828A-49B0-A613-D6AE1344956F}" type="datetimeFigureOut">
               <a:rPr lang="zh-CN" altLang="en-US" smtClean="0"/>
-              <a:t>2022/1/10</a:t>
+              <a:t>2022/1/17</a:t>
             </a:fld>
             <a:endParaRPr lang="zh-CN" altLang="en-US"/>
           </a:p>
@@ -2706,7 +2706,7 @@
           <a:p>
             <a:fld id="{2D8079C0-828A-49B0-A613-D6AE1344956F}" type="datetimeFigureOut">
               <a:rPr lang="zh-CN" altLang="en-US" smtClean="0"/>
-              <a:t>2022/1/10</a:t>
+              <a:t>2022/1/17</a:t>
             </a:fld>
             <a:endParaRPr lang="zh-CN" altLang="en-US"/>
           </a:p>
@@ -2947,7 +2947,7 @@
           <a:p>
             <a:fld id="{2D8079C0-828A-49B0-A613-D6AE1344956F}" type="datetimeFigureOut">
               <a:rPr lang="zh-CN" altLang="en-US" smtClean="0"/>
-              <a:t>2022/1/10</a:t>
+              <a:t>2022/1/17</a:t>
             </a:fld>
             <a:endParaRPr lang="zh-CN" altLang="en-US"/>
           </a:p>
@@ -11570,7 +11570,7 @@
         </p:nvSpPr>
         <p:spPr>
           <a:xfrm rot="5400000">
-            <a:off x="5161390" y="2023838"/>
+            <a:off x="5199117" y="2023838"/>
             <a:ext cx="1080000" cy="1080000"/>
           </a:xfrm>
           <a:prstGeom prst="diagStripe">
@@ -11581,7 +11581,7 @@
           <a:solidFill>
             <a:schemeClr val="tx1"/>
           </a:solidFill>
-          <a:ln w="127000">
+          <a:ln w="190500">
             <a:solidFill>
               <a:schemeClr val="tx1"/>
             </a:solidFill>
@@ -11630,7 +11630,7 @@
         </p:nvSpPr>
         <p:spPr>
           <a:xfrm>
-            <a:off x="6350843" y="2023838"/>
+            <a:off x="6452884" y="2023838"/>
             <a:ext cx="1080000" cy="1080000"/>
           </a:xfrm>
           <a:prstGeom prst="diagStripe">
@@ -11641,7 +11641,7 @@
           <a:solidFill>
             <a:schemeClr val="tx1"/>
           </a:solidFill>
-          <a:ln w="127000">
+          <a:ln w="190500">
             <a:solidFill>
               <a:schemeClr val="tx1"/>
             </a:solidFill>
@@ -11690,7 +11690,7 @@
         </p:nvSpPr>
         <p:spPr>
           <a:xfrm rot="10800000">
-            <a:off x="5161390" y="2889000"/>
+            <a:off x="5168052" y="2959465"/>
             <a:ext cx="1080000" cy="1080000"/>
           </a:xfrm>
           <a:prstGeom prst="diagStripe">
@@ -11701,7 +11701,7 @@
           <a:solidFill>
             <a:schemeClr val="tx1"/>
           </a:solidFill>
-          <a:ln w="127000">
+          <a:ln w="190500">
             <a:solidFill>
               <a:schemeClr val="tx1"/>
             </a:solidFill>
@@ -11750,7 +11750,7 @@
         </p:nvSpPr>
         <p:spPr>
           <a:xfrm rot="16200000">
-            <a:off x="6350842" y="2889000"/>
+            <a:off x="6432824" y="2959466"/>
             <a:ext cx="1080000" cy="1080000"/>
           </a:xfrm>
           <a:prstGeom prst="diagStripe">
@@ -11761,7 +11761,7 @@
           <a:solidFill>
             <a:schemeClr val="tx1"/>
           </a:solidFill>
-          <a:ln w="127000">
+          <a:ln w="190500">
             <a:solidFill>
               <a:schemeClr val="tx1"/>
             </a:solidFill>
@@ -11874,8 +11874,8 @@
         </p:nvSpPr>
         <p:spPr>
           <a:xfrm>
-            <a:off x="5599348" y="3762375"/>
-            <a:ext cx="1393536" cy="646331"/>
+            <a:off x="5576762" y="3736438"/>
+            <a:ext cx="1527352" cy="769441"/>
           </a:xfrm>
           <a:prstGeom prst="rect">
             <a:avLst/>
@@ -11890,7 +11890,7 @@
           <a:p>
             <a:pPr algn="ctr"/>
             <a:r>
-              <a:rPr lang="en-US" altLang="zh-CN" sz="3600" b="1" dirty="0">
+              <a:rPr lang="en-US" altLang="zh-CN" sz="4400" b="1" dirty="0">
                 <a:solidFill>
                   <a:schemeClr val="tx1"/>
                 </a:solidFill>
@@ -11901,11 +11901,11 @@
                     </a:srgbClr>
                   </a:outerShdw>
                 </a:effectLst>
-                <a:latin typeface="Arial Black" panose="020B0A04020102020204" pitchFamily="34" charset="0"/>
+                <a:latin typeface="Berlin Sans FB" panose="020E0602020502020306" pitchFamily="34" charset="0"/>
               </a:rPr>
               <a:t>NNN</a:t>
             </a:r>
-            <a:endParaRPr lang="zh-CN" altLang="en-US" sz="3600" b="1" dirty="0">
+            <a:endParaRPr lang="zh-CN" altLang="en-US" sz="4400" b="1" dirty="0">
               <a:solidFill>
                 <a:schemeClr val="tx1"/>
               </a:solidFill>
@@ -11916,7 +11916,7 @@
                   </a:srgbClr>
                 </a:outerShdw>
               </a:effectLst>
-              <a:latin typeface="Arial Black" panose="020B0A04020102020204" pitchFamily="34" charset="0"/>
+              <a:latin typeface="Berlin Sans FB" panose="020E0602020502020306" pitchFamily="34" charset="0"/>
             </a:endParaRPr>
           </a:p>
         </p:txBody>
@@ -11935,7 +11935,7 @@
         </p:nvSpPr>
         <p:spPr>
           <a:xfrm rot="13500000">
-            <a:off x="5756116" y="1551760"/>
+            <a:off x="5823023" y="1483836"/>
             <a:ext cx="1080000" cy="1080000"/>
           </a:xfrm>
           <a:prstGeom prst="diagStripe">
@@ -11946,7 +11946,7 @@
           <a:solidFill>
             <a:schemeClr val="tx1"/>
           </a:solidFill>
-          <a:ln w="127000">
+          <a:ln w="190500">
             <a:solidFill>
               <a:schemeClr val="tx1"/>
             </a:solidFill>
